--- a/doc/Poc Plan.pptx
+++ b/doc/Poc Plan.pptx
@@ -25,8 +25,11 @@
     <p:sldId id="278" r:id="rId19"/>
     <p:sldId id="279" r:id="rId20"/>
     <p:sldId id="258" r:id="rId21"/>
-    <p:sldId id="259" r:id="rId22"/>
-    <p:sldId id="260" r:id="rId23"/>
+    <p:sldId id="280" r:id="rId22"/>
+    <p:sldId id="281" r:id="rId23"/>
+    <p:sldId id="282" r:id="rId24"/>
+    <p:sldId id="259" r:id="rId25"/>
+    <p:sldId id="260" r:id="rId26"/>
   </p:sldIdLst>
   <p:sldSz cx="9144000" cy="6858000" type="screen4x3"/>
   <p:notesSz cx="6858000" cy="9144000"/>
@@ -264,7 +267,7 @@
           <a:p>
             <a:fld id="{44254B5B-EBC4-47D7-B582-1C224BB65AA1}" type="datetimeFigureOut">
               <a:rPr lang="en-US" smtClean="0"/>
-              <a:t>2/27/2015</a:t>
+              <a:t>3/1/2015</a:t>
             </a:fld>
             <a:endParaRPr lang="en-US"/>
           </a:p>
@@ -434,7 +437,7 @@
           <a:p>
             <a:fld id="{44254B5B-EBC4-47D7-B582-1C224BB65AA1}" type="datetimeFigureOut">
               <a:rPr lang="en-US" smtClean="0"/>
-              <a:t>2/27/2015</a:t>
+              <a:t>3/1/2015</a:t>
             </a:fld>
             <a:endParaRPr lang="en-US"/>
           </a:p>
@@ -614,7 +617,7 @@
           <a:p>
             <a:fld id="{44254B5B-EBC4-47D7-B582-1C224BB65AA1}" type="datetimeFigureOut">
               <a:rPr lang="en-US" smtClean="0"/>
-              <a:t>2/27/2015</a:t>
+              <a:t>3/1/2015</a:t>
             </a:fld>
             <a:endParaRPr lang="en-US"/>
           </a:p>
@@ -784,7 +787,7 @@
           <a:p>
             <a:fld id="{44254B5B-EBC4-47D7-B582-1C224BB65AA1}" type="datetimeFigureOut">
               <a:rPr lang="en-US" smtClean="0"/>
-              <a:t>2/27/2015</a:t>
+              <a:t>3/1/2015</a:t>
             </a:fld>
             <a:endParaRPr lang="en-US"/>
           </a:p>
@@ -1028,7 +1031,7 @@
           <a:p>
             <a:fld id="{44254B5B-EBC4-47D7-B582-1C224BB65AA1}" type="datetimeFigureOut">
               <a:rPr lang="en-US" smtClean="0"/>
-              <a:t>2/27/2015</a:t>
+              <a:t>3/1/2015</a:t>
             </a:fld>
             <a:endParaRPr lang="en-US"/>
           </a:p>
@@ -1260,7 +1263,7 @@
           <a:p>
             <a:fld id="{44254B5B-EBC4-47D7-B582-1C224BB65AA1}" type="datetimeFigureOut">
               <a:rPr lang="en-US" smtClean="0"/>
-              <a:t>2/27/2015</a:t>
+              <a:t>3/1/2015</a:t>
             </a:fld>
             <a:endParaRPr lang="en-US"/>
           </a:p>
@@ -1627,7 +1630,7 @@
           <a:p>
             <a:fld id="{44254B5B-EBC4-47D7-B582-1C224BB65AA1}" type="datetimeFigureOut">
               <a:rPr lang="en-US" smtClean="0"/>
-              <a:t>2/27/2015</a:t>
+              <a:t>3/1/2015</a:t>
             </a:fld>
             <a:endParaRPr lang="en-US"/>
           </a:p>
@@ -1745,7 +1748,7 @@
           <a:p>
             <a:fld id="{44254B5B-EBC4-47D7-B582-1C224BB65AA1}" type="datetimeFigureOut">
               <a:rPr lang="en-US" smtClean="0"/>
-              <a:t>2/27/2015</a:t>
+              <a:t>3/1/2015</a:t>
             </a:fld>
             <a:endParaRPr lang="en-US"/>
           </a:p>
@@ -1840,7 +1843,7 @@
           <a:p>
             <a:fld id="{44254B5B-EBC4-47D7-B582-1C224BB65AA1}" type="datetimeFigureOut">
               <a:rPr lang="en-US" smtClean="0"/>
-              <a:t>2/27/2015</a:t>
+              <a:t>3/1/2015</a:t>
             </a:fld>
             <a:endParaRPr lang="en-US"/>
           </a:p>
@@ -2117,7 +2120,7 @@
           <a:p>
             <a:fld id="{44254B5B-EBC4-47D7-B582-1C224BB65AA1}" type="datetimeFigureOut">
               <a:rPr lang="en-US" smtClean="0"/>
-              <a:t>2/27/2015</a:t>
+              <a:t>3/1/2015</a:t>
             </a:fld>
             <a:endParaRPr lang="en-US"/>
           </a:p>
@@ -2374,7 +2377,7 @@
           <a:p>
             <a:fld id="{44254B5B-EBC4-47D7-B582-1C224BB65AA1}" type="datetimeFigureOut">
               <a:rPr lang="en-US" smtClean="0"/>
-              <a:t>2/27/2015</a:t>
+              <a:t>3/1/2015</a:t>
             </a:fld>
             <a:endParaRPr lang="en-US"/>
           </a:p>
@@ -2587,7 +2590,7 @@
           <a:p>
             <a:fld id="{44254B5B-EBC4-47D7-B582-1C224BB65AA1}" type="datetimeFigureOut">
               <a:rPr lang="en-US" smtClean="0"/>
-              <a:t>2/27/2015</a:t>
+              <a:t>3/1/2015</a:t>
             </a:fld>
             <a:endParaRPr lang="en-US"/>
           </a:p>
@@ -4422,7 +4425,7 @@
           <a:p>
             <a:r>
               <a:rPr lang="en-US" dirty="0" smtClean="0"/>
-              <a:t>Tier 1: </a:t>
+              <a:t>Tier 1: REST/ </a:t>
             </a:r>
             <a:r>
               <a:rPr lang="en-US" dirty="0" err="1" smtClean="0"/>
@@ -4608,8 +4611,8 @@
           <a:p>
             <a:pPr algn="ctr"/>
             <a:r>
-              <a:rPr lang="en-US" dirty="0" smtClean="0"/>
-              <a:t>Java</a:t>
+              <a:rPr lang="en-US" dirty="0" err="1" smtClean="0"/>
+              <a:t>JavaRMI</a:t>
             </a:r>
             <a:endParaRPr lang="en-US" dirty="0"/>
           </a:p>
@@ -4702,14 +4705,13 @@
           <p:cNvPr id="12" name="Straight Arrow Connector 11"/>
           <p:cNvCxnSpPr>
             <a:stCxn id="10" idx="2"/>
-            <a:endCxn id="5" idx="0"/>
           </p:cNvCxnSpPr>
           <p:nvPr/>
         </p:nvCxnSpPr>
         <p:spPr>
-          <a:xfrm>
-            <a:off x="2492429" y="2563727"/>
-            <a:ext cx="0" cy="1943636"/>
+          <a:xfrm flipH="1">
+            <a:off x="2492347" y="2563727"/>
+            <a:ext cx="82" cy="907756"/>
           </a:xfrm>
           <a:prstGeom prst="straightConnector1">
             <a:avLst/>
@@ -4775,6 +4777,85 @@
           </a:p>
         </p:txBody>
       </p:sp>
+      <p:sp>
+        <p:nvSpPr>
+          <p:cNvPr id="14" name="Rectangle 13"/>
+          <p:cNvSpPr/>
+          <p:nvPr/>
+        </p:nvSpPr>
+        <p:spPr>
+          <a:xfrm>
+            <a:off x="1547684" y="3471483"/>
+            <a:ext cx="2031068" cy="353361"/>
+          </a:xfrm>
+          <a:prstGeom prst="rect">
+            <a:avLst/>
+          </a:prstGeom>
+        </p:spPr>
+        <p:style>
+          <a:lnRef idx="1">
+            <a:schemeClr val="accent3"/>
+          </a:lnRef>
+          <a:fillRef idx="2">
+            <a:schemeClr val="accent3"/>
+          </a:fillRef>
+          <a:effectRef idx="1">
+            <a:schemeClr val="accent3"/>
+          </a:effectRef>
+          <a:fontRef idx="minor">
+            <a:schemeClr val="dk1"/>
+          </a:fontRef>
+        </p:style>
+        <p:txBody>
+          <a:bodyPr rtlCol="0" anchor="ctr"/>
+          <a:lstStyle/>
+          <a:p>
+            <a:pPr algn="ctr"/>
+            <a:r>
+              <a:rPr lang="en-US" dirty="0" smtClean="0"/>
+              <a:t>REST server</a:t>
+            </a:r>
+            <a:endParaRPr lang="en-US" dirty="0"/>
+          </a:p>
+        </p:txBody>
+      </p:sp>
+      <p:cxnSp>
+        <p:nvCxnSpPr>
+          <p:cNvPr id="15" name="Straight Arrow Connector 14"/>
+          <p:cNvCxnSpPr>
+            <a:stCxn id="14" idx="2"/>
+            <a:endCxn id="7" idx="0"/>
+          </p:cNvCxnSpPr>
+          <p:nvPr/>
+        </p:nvCxnSpPr>
+        <p:spPr>
+          <a:xfrm>
+            <a:off x="2563218" y="3824844"/>
+            <a:ext cx="4132925" cy="682518"/>
+          </a:xfrm>
+          <a:prstGeom prst="straightConnector1">
+            <a:avLst/>
+          </a:prstGeom>
+          <a:ln w="28575">
+            <a:prstDash val="dash"/>
+            <a:tailEnd type="triangle"/>
+          </a:ln>
+        </p:spPr>
+        <p:style>
+          <a:lnRef idx="1">
+            <a:schemeClr val="accent1"/>
+          </a:lnRef>
+          <a:fillRef idx="0">
+            <a:schemeClr val="accent1"/>
+          </a:fillRef>
+          <a:effectRef idx="0">
+            <a:schemeClr val="accent1"/>
+          </a:effectRef>
+          <a:fontRef idx="minor">
+            <a:schemeClr val="tx1"/>
+          </a:fontRef>
+        </p:style>
+      </p:cxnSp>
     </p:spTree>
     <p:extLst>
       <p:ext uri="{BB962C8B-B14F-4D97-AF65-F5344CB8AC3E}">
@@ -4815,6 +4896,698 @@
             <p:ph type="title"/>
           </p:nvPr>
         </p:nvSpPr>
+        <p:spPr/>
+        <p:txBody>
+          <a:bodyPr/>
+          <a:lstStyle/>
+          <a:p>
+            <a:r>
+              <a:rPr lang="en-US" dirty="0" smtClean="0"/>
+              <a:t>REST interface</a:t>
+            </a:r>
+            <a:endParaRPr lang="en-US" dirty="0"/>
+          </a:p>
+        </p:txBody>
+      </p:sp>
+      <p:graphicFrame>
+        <p:nvGraphicFramePr>
+          <p:cNvPr id="4" name="Table 3"/>
+          <p:cNvGraphicFramePr>
+            <a:graphicFrameLocks noGrp="1"/>
+          </p:cNvGraphicFramePr>
+          <p:nvPr>
+            <p:extLst>
+              <p:ext uri="{D42A27DB-BD31-4B8C-83A1-F6EECF244321}">
+                <p14:modId xmlns:p14="http://schemas.microsoft.com/office/powerpoint/2010/main" val="103696503"/>
+              </p:ext>
+            </p:extLst>
+          </p:nvPr>
+        </p:nvGraphicFramePr>
+        <p:xfrm>
+          <a:off x="628648" y="2157651"/>
+          <a:ext cx="6816024" cy="2494280"/>
+        </p:xfrm>
+        <a:graphic>
+          <a:graphicData uri="http://schemas.openxmlformats.org/drawingml/2006/table">
+            <a:tbl>
+              <a:tblPr firstRow="1" bandRow="1">
+                <a:tableStyleId>{5C22544A-7EE6-4342-B048-85BDC9FD1C3A}</a:tableStyleId>
+              </a:tblPr>
+              <a:tblGrid>
+                <a:gridCol w="2174304"/>
+                <a:gridCol w="2529699"/>
+                <a:gridCol w="2112021"/>
+              </a:tblGrid>
+              <a:tr h="370840">
+                <a:tc>
+                  <a:txBody>
+                    <a:bodyPr/>
+                    <a:lstStyle/>
+                    <a:p>
+                      <a:r>
+                        <a:rPr lang="en-US" dirty="0" smtClean="0"/>
+                        <a:t>Function</a:t>
+                      </a:r>
+                      <a:endParaRPr lang="en-US" dirty="0"/>
+                    </a:p>
+                  </a:txBody>
+                  <a:tcPr/>
+                </a:tc>
+                <a:tc>
+                  <a:txBody>
+                    <a:bodyPr/>
+                    <a:lstStyle/>
+                    <a:p>
+                      <a:pPr marL="0" marR="0" indent="0" algn="l" defTabSz="914400" rtl="0" eaLnBrk="1" fontAlgn="auto" latinLnBrk="0" hangingPunct="1">
+                        <a:lnSpc>
+                          <a:spcPct val="100000"/>
+                        </a:lnSpc>
+                        <a:spcBef>
+                          <a:spcPts val="0"/>
+                        </a:spcBef>
+                        <a:spcAft>
+                          <a:spcPts val="0"/>
+                        </a:spcAft>
+                        <a:buClrTx/>
+                        <a:buSzTx/>
+                        <a:buFontTx/>
+                        <a:buNone/>
+                        <a:tabLst/>
+                        <a:defRPr/>
+                      </a:pPr>
+                      <a:r>
+                        <a:rPr lang="en-US" dirty="0" smtClean="0"/>
+                        <a:t>URI</a:t>
+                      </a:r>
+                    </a:p>
+                  </a:txBody>
+                  <a:tcPr/>
+                </a:tc>
+                <a:tc>
+                  <a:txBody>
+                    <a:bodyPr/>
+                    <a:lstStyle/>
+                    <a:p>
+                      <a:r>
+                        <a:rPr lang="en-US" dirty="0" smtClean="0"/>
+                        <a:t>Response</a:t>
+                      </a:r>
+                      <a:endParaRPr lang="en-US" dirty="0"/>
+                    </a:p>
+                  </a:txBody>
+                  <a:tcPr/>
+                </a:tc>
+              </a:tr>
+              <a:tr h="370840">
+                <a:tc>
+                  <a:txBody>
+                    <a:bodyPr/>
+                    <a:lstStyle/>
+                    <a:p>
+                      <a:r>
+                        <a:rPr lang="en-US" dirty="0" smtClean="0"/>
+                        <a:t>Get one server</a:t>
+                      </a:r>
+                      <a:endParaRPr lang="en-US" dirty="0"/>
+                    </a:p>
+                  </a:txBody>
+                  <a:tcPr/>
+                </a:tc>
+                <a:tc>
+                  <a:txBody>
+                    <a:bodyPr/>
+                    <a:lstStyle/>
+                    <a:p>
+                      <a:r>
+                        <a:rPr lang="en-US" dirty="0" smtClean="0"/>
+                        <a:t>/</a:t>
+                      </a:r>
+                      <a:r>
+                        <a:rPr lang="en-US" dirty="0" err="1" smtClean="0"/>
+                        <a:t>server?name</a:t>
+                      </a:r>
+                      <a:r>
+                        <a:rPr lang="en-US" dirty="0" smtClean="0"/>
+                        <a:t>=rhel55</a:t>
+                      </a:r>
+                      <a:endParaRPr lang="en-US" dirty="0"/>
+                    </a:p>
+                  </a:txBody>
+                  <a:tcPr/>
+                </a:tc>
+                <a:tc>
+                  <a:txBody>
+                    <a:bodyPr/>
+                    <a:lstStyle/>
+                    <a:p>
+                      <a:r>
+                        <a:rPr lang="en-US" dirty="0" err="1" smtClean="0"/>
+                        <a:t>ServerVO</a:t>
+                      </a:r>
+                      <a:endParaRPr lang="en-US" dirty="0"/>
+                    </a:p>
+                  </a:txBody>
+                  <a:tcPr/>
+                </a:tc>
+              </a:tr>
+              <a:tr h="370840">
+                <a:tc>
+                  <a:txBody>
+                    <a:bodyPr/>
+                    <a:lstStyle/>
+                    <a:p>
+                      <a:r>
+                        <a:rPr lang="en-US" dirty="0" smtClean="0"/>
+                        <a:t>Get all servers</a:t>
+                      </a:r>
+                      <a:endParaRPr lang="en-US" dirty="0"/>
+                    </a:p>
+                  </a:txBody>
+                  <a:tcPr/>
+                </a:tc>
+                <a:tc>
+                  <a:txBody>
+                    <a:bodyPr/>
+                    <a:lstStyle/>
+                    <a:p>
+                      <a:r>
+                        <a:rPr lang="en-US" dirty="0" smtClean="0"/>
+                        <a:t>/servers</a:t>
+                      </a:r>
+                      <a:endParaRPr lang="en-US" dirty="0"/>
+                    </a:p>
+                  </a:txBody>
+                  <a:tcPr/>
+                </a:tc>
+                <a:tc>
+                  <a:txBody>
+                    <a:bodyPr/>
+                    <a:lstStyle/>
+                    <a:p>
+                      <a:r>
+                        <a:rPr lang="en-US" dirty="0" err="1" smtClean="0"/>
+                        <a:t>ServerVO</a:t>
+                      </a:r>
+                      <a:r>
+                        <a:rPr lang="en-US" dirty="0" smtClean="0"/>
+                        <a:t>[]</a:t>
+                      </a:r>
+                      <a:endParaRPr lang="en-US" dirty="0"/>
+                    </a:p>
+                  </a:txBody>
+                  <a:tcPr/>
+                </a:tc>
+              </a:tr>
+              <a:tr h="370840">
+                <a:tc>
+                  <a:txBody>
+                    <a:bodyPr/>
+                    <a:lstStyle/>
+                    <a:p>
+                      <a:r>
+                        <a:rPr lang="en-US" dirty="0" smtClean="0"/>
+                        <a:t>Run audit job</a:t>
+                      </a:r>
+                      <a:endParaRPr lang="en-US" dirty="0"/>
+                    </a:p>
+                  </a:txBody>
+                  <a:tcPr/>
+                </a:tc>
+                <a:tc>
+                  <a:txBody>
+                    <a:bodyPr/>
+                    <a:lstStyle/>
+                    <a:p>
+                      <a:r>
+                        <a:rPr lang="en-US" dirty="0" smtClean="0"/>
+                        <a:t>/</a:t>
+                      </a:r>
+                      <a:r>
+                        <a:rPr lang="en-US" dirty="0" err="1" smtClean="0"/>
+                        <a:t>auditjob?name</a:t>
+                      </a:r>
+                      <a:r>
+                        <a:rPr lang="en-US" dirty="0" smtClean="0"/>
+                        <a:t>=policy1</a:t>
+                      </a:r>
+                      <a:endParaRPr lang="en-US" dirty="0"/>
+                    </a:p>
+                  </a:txBody>
+                  <a:tcPr/>
+                </a:tc>
+                <a:tc>
+                  <a:txBody>
+                    <a:bodyPr/>
+                    <a:lstStyle/>
+                    <a:p>
+                      <a:r>
+                        <a:rPr lang="en-US" dirty="0" err="1" smtClean="0"/>
+                        <a:t>JobVO</a:t>
+                      </a:r>
+                      <a:endParaRPr lang="en-US" dirty="0"/>
+                    </a:p>
+                  </a:txBody>
+                  <a:tcPr/>
+                </a:tc>
+              </a:tr>
+              <a:tr h="370840">
+                <a:tc>
+                  <a:txBody>
+                    <a:bodyPr/>
+                    <a:lstStyle/>
+                    <a:p>
+                      <a:r>
+                        <a:rPr lang="en-US" dirty="0" smtClean="0"/>
+                        <a:t>Run script </a:t>
+                      </a:r>
+                      <a:r>
+                        <a:rPr lang="en-US" dirty="0" smtClean="0"/>
+                        <a:t>job [TBD]</a:t>
+                      </a:r>
+                      <a:endParaRPr lang="en-US" dirty="0"/>
+                    </a:p>
+                  </a:txBody>
+                  <a:tcPr/>
+                </a:tc>
+                <a:tc>
+                  <a:txBody>
+                    <a:bodyPr/>
+                    <a:lstStyle/>
+                    <a:p>
+                      <a:r>
+                        <a:rPr lang="en-US" dirty="0" smtClean="0"/>
+                        <a:t>/</a:t>
+                      </a:r>
+                      <a:r>
+                        <a:rPr lang="en-US" dirty="0" err="1" smtClean="0"/>
+                        <a:t>scriptjob?server</a:t>
+                      </a:r>
+                      <a:r>
+                        <a:rPr lang="en-US" dirty="0" smtClean="0"/>
+                        <a:t>=rhel55&amp;script=hello%20world</a:t>
+                      </a:r>
+                      <a:endParaRPr lang="en-US" dirty="0"/>
+                    </a:p>
+                  </a:txBody>
+                  <a:tcPr/>
+                </a:tc>
+                <a:tc>
+                  <a:txBody>
+                    <a:bodyPr/>
+                    <a:lstStyle/>
+                    <a:p>
+                      <a:r>
+                        <a:rPr lang="en-US" dirty="0" err="1" smtClean="0"/>
+                        <a:t>JobVO</a:t>
+                      </a:r>
+                      <a:endParaRPr lang="en-US" dirty="0"/>
+                    </a:p>
+                  </a:txBody>
+                  <a:tcPr/>
+                </a:tc>
+              </a:tr>
+              <a:tr h="370840">
+                <a:tc>
+                  <a:txBody>
+                    <a:bodyPr/>
+                    <a:lstStyle/>
+                    <a:p>
+                      <a:r>
+                        <a:rPr lang="en-US" dirty="0" smtClean="0"/>
+                        <a:t>Get</a:t>
+                      </a:r>
+                      <a:r>
+                        <a:rPr lang="en-US" baseline="0" dirty="0" smtClean="0"/>
+                        <a:t> job result</a:t>
+                      </a:r>
+                      <a:endParaRPr lang="en-US" dirty="0"/>
+                    </a:p>
+                  </a:txBody>
+                  <a:tcPr/>
+                </a:tc>
+                <a:tc>
+                  <a:txBody>
+                    <a:bodyPr/>
+                    <a:lstStyle/>
+                    <a:p>
+                      <a:r>
+                        <a:rPr lang="en-US" dirty="0" smtClean="0"/>
+                        <a:t>/</a:t>
+                      </a:r>
+                      <a:r>
+                        <a:rPr lang="en-US" dirty="0" err="1" smtClean="0"/>
+                        <a:t>job?ref</a:t>
+                      </a:r>
+                      <a:r>
+                        <a:rPr lang="en-US" dirty="0" smtClean="0"/>
+                        <a:t>=100021</a:t>
+                      </a:r>
+                      <a:endParaRPr lang="en-US" dirty="0"/>
+                    </a:p>
+                  </a:txBody>
+                  <a:tcPr/>
+                </a:tc>
+                <a:tc>
+                  <a:txBody>
+                    <a:bodyPr/>
+                    <a:lstStyle/>
+                    <a:p>
+                      <a:r>
+                        <a:rPr lang="en-US" dirty="0" err="1" smtClean="0"/>
+                        <a:t>JobVO</a:t>
+                      </a:r>
+                      <a:endParaRPr lang="en-US" dirty="0"/>
+                    </a:p>
+                  </a:txBody>
+                  <a:tcPr/>
+                </a:tc>
+              </a:tr>
+            </a:tbl>
+          </a:graphicData>
+        </a:graphic>
+      </p:graphicFrame>
+      <p:sp>
+        <p:nvSpPr>
+          <p:cNvPr id="5" name="Rectangle 4"/>
+          <p:cNvSpPr/>
+          <p:nvPr/>
+        </p:nvSpPr>
+        <p:spPr>
+          <a:xfrm>
+            <a:off x="819436" y="5275435"/>
+            <a:ext cx="3847528" cy="369332"/>
+          </a:xfrm>
+          <a:prstGeom prst="rect">
+            <a:avLst/>
+          </a:prstGeom>
+        </p:spPr>
+        <p:txBody>
+          <a:bodyPr wrap="none">
+            <a:spAutoFit/>
+          </a:bodyPr>
+          <a:lstStyle/>
+          <a:p>
+            <a:r>
+              <a:rPr lang="en-US" dirty="0"/>
+              <a:t>https://github.com/mt5225/opswJSON</a:t>
+            </a:r>
+          </a:p>
+        </p:txBody>
+      </p:sp>
+    </p:spTree>
+    <p:extLst>
+      <p:ext uri="{BB962C8B-B14F-4D97-AF65-F5344CB8AC3E}">
+        <p14:creationId xmlns:p14="http://schemas.microsoft.com/office/powerpoint/2010/main" val="3050319484"/>
+      </p:ext>
+    </p:extLst>
+  </p:cSld>
+  <p:clrMapOvr>
+    <a:masterClrMapping/>
+  </p:clrMapOvr>
+</p:sld>
+</file>
+
+<file path=ppt/slides/slide22.xml><?xml version="1.0" encoding="utf-8"?>
+<p:sld xmlns:a="http://schemas.openxmlformats.org/drawingml/2006/main" xmlns:r="http://schemas.openxmlformats.org/officeDocument/2006/relationships" xmlns:p="http://schemas.openxmlformats.org/presentationml/2006/main">
+  <p:cSld>
+    <p:spTree>
+      <p:nvGrpSpPr>
+        <p:cNvPr id="1" name=""/>
+        <p:cNvGrpSpPr/>
+        <p:nvPr/>
+      </p:nvGrpSpPr>
+      <p:grpSpPr>
+        <a:xfrm>
+          <a:off x="0" y="0"/>
+          <a:ext cx="0" cy="0"/>
+          <a:chOff x="0" y="0"/>
+          <a:chExt cx="0" cy="0"/>
+        </a:xfrm>
+      </p:grpSpPr>
+      <p:sp>
+        <p:nvSpPr>
+          <p:cNvPr id="2" name="Title 1"/>
+          <p:cNvSpPr>
+            <a:spLocks noGrp="1"/>
+          </p:cNvSpPr>
+          <p:nvPr>
+            <p:ph type="title"/>
+          </p:nvPr>
+        </p:nvSpPr>
+        <p:spPr/>
+        <p:txBody>
+          <a:bodyPr/>
+          <a:lstStyle/>
+          <a:p>
+            <a:r>
+              <a:rPr lang="en-US" dirty="0" smtClean="0"/>
+              <a:t>REST: controller</a:t>
+            </a:r>
+            <a:endParaRPr lang="en-US" dirty="0"/>
+          </a:p>
+        </p:txBody>
+      </p:sp>
+      <p:pic>
+        <p:nvPicPr>
+          <p:cNvPr id="4" name="Picture 3"/>
+          <p:cNvPicPr>
+            <a:picLocks noChangeAspect="1"/>
+          </p:cNvPicPr>
+          <p:nvPr/>
+        </p:nvPicPr>
+        <p:blipFill>
+          <a:blip r:embed="rId2"/>
+          <a:stretch>
+            <a:fillRect/>
+          </a:stretch>
+        </p:blipFill>
+        <p:spPr>
+          <a:xfrm>
+            <a:off x="480760" y="1569309"/>
+            <a:ext cx="6980098" cy="4965037"/>
+          </a:xfrm>
+          <a:prstGeom prst="rect">
+            <a:avLst/>
+          </a:prstGeom>
+        </p:spPr>
+      </p:pic>
+    </p:spTree>
+    <p:extLst>
+      <p:ext uri="{BB962C8B-B14F-4D97-AF65-F5344CB8AC3E}">
+        <p14:creationId xmlns:p14="http://schemas.microsoft.com/office/powerpoint/2010/main" val="577309477"/>
+      </p:ext>
+    </p:extLst>
+  </p:cSld>
+  <p:clrMapOvr>
+    <a:masterClrMapping/>
+  </p:clrMapOvr>
+</p:sld>
+</file>
+
+<file path=ppt/slides/slide23.xml><?xml version="1.0" encoding="utf-8"?>
+<p:sld xmlns:a="http://schemas.openxmlformats.org/drawingml/2006/main" xmlns:r="http://schemas.openxmlformats.org/officeDocument/2006/relationships" xmlns:p="http://schemas.openxmlformats.org/presentationml/2006/main">
+  <p:cSld>
+    <p:spTree>
+      <p:nvGrpSpPr>
+        <p:cNvPr id="1" name=""/>
+        <p:cNvGrpSpPr/>
+        <p:nvPr/>
+      </p:nvGrpSpPr>
+      <p:grpSpPr>
+        <a:xfrm>
+          <a:off x="0" y="0"/>
+          <a:ext cx="0" cy="0"/>
+          <a:chOff x="0" y="0"/>
+          <a:chExt cx="0" cy="0"/>
+        </a:xfrm>
+      </p:grpSpPr>
+      <p:sp>
+        <p:nvSpPr>
+          <p:cNvPr id="2" name="Title 1"/>
+          <p:cNvSpPr>
+            <a:spLocks noGrp="1"/>
+          </p:cNvSpPr>
+          <p:nvPr>
+            <p:ph type="title"/>
+          </p:nvPr>
+        </p:nvSpPr>
+        <p:spPr>
+          <a:xfrm>
+            <a:off x="628650" y="365126"/>
+            <a:ext cx="7886700" cy="775851"/>
+          </a:xfrm>
+        </p:spPr>
+        <p:txBody>
+          <a:bodyPr/>
+          <a:lstStyle/>
+          <a:p>
+            <a:r>
+              <a:rPr lang="en-US" dirty="0" smtClean="0"/>
+              <a:t>REST: request and results</a:t>
+            </a:r>
+            <a:endParaRPr lang="en-US" dirty="0"/>
+          </a:p>
+        </p:txBody>
+      </p:sp>
+      <p:pic>
+        <p:nvPicPr>
+          <p:cNvPr id="4" name="Content Placeholder 3"/>
+          <p:cNvPicPr>
+            <a:picLocks noGrp="1" noChangeAspect="1"/>
+          </p:cNvPicPr>
+          <p:nvPr>
+            <p:ph idx="1"/>
+          </p:nvPr>
+        </p:nvPicPr>
+        <p:blipFill>
+          <a:blip r:embed="rId2">
+            <a:extLst>
+              <a:ext uri="{28A0092B-C50C-407E-A947-70E740481C1C}">
+                <a14:useLocalDpi xmlns:a14="http://schemas.microsoft.com/office/drawing/2010/main" val="0"/>
+              </a:ext>
+            </a:extLst>
+          </a:blip>
+          <a:stretch>
+            <a:fillRect/>
+          </a:stretch>
+        </p:blipFill>
+        <p:spPr>
+          <a:xfrm>
+            <a:off x="3293457" y="5540213"/>
+            <a:ext cx="5505113" cy="983056"/>
+          </a:xfrm>
+        </p:spPr>
+      </p:pic>
+      <p:pic>
+        <p:nvPicPr>
+          <p:cNvPr id="5" name="Picture 4"/>
+          <p:cNvPicPr>
+            <a:picLocks noChangeAspect="1"/>
+          </p:cNvPicPr>
+          <p:nvPr/>
+        </p:nvPicPr>
+        <p:blipFill>
+          <a:blip r:embed="rId3">
+            <a:extLst>
+              <a:ext uri="{28A0092B-C50C-407E-A947-70E740481C1C}">
+                <a14:useLocalDpi xmlns:a14="http://schemas.microsoft.com/office/drawing/2010/main" val="0"/>
+              </a:ext>
+            </a:extLst>
+          </a:blip>
+          <a:stretch>
+            <a:fillRect/>
+          </a:stretch>
+        </p:blipFill>
+        <p:spPr>
+          <a:xfrm>
+            <a:off x="3299750" y="3250470"/>
+            <a:ext cx="5498819" cy="1815144"/>
+          </a:xfrm>
+          <a:prstGeom prst="rect">
+            <a:avLst/>
+          </a:prstGeom>
+        </p:spPr>
+      </p:pic>
+      <p:pic>
+        <p:nvPicPr>
+          <p:cNvPr id="6" name="Picture 5"/>
+          <p:cNvPicPr>
+            <a:picLocks noChangeAspect="1"/>
+          </p:cNvPicPr>
+          <p:nvPr/>
+        </p:nvPicPr>
+        <p:blipFill>
+          <a:blip r:embed="rId2">
+            <a:extLst>
+              <a:ext uri="{28A0092B-C50C-407E-A947-70E740481C1C}">
+                <a14:useLocalDpi xmlns:a14="http://schemas.microsoft.com/office/drawing/2010/main" val="0"/>
+              </a:ext>
+            </a:extLst>
+          </a:blip>
+          <a:stretch>
+            <a:fillRect/>
+          </a:stretch>
+        </p:blipFill>
+        <p:spPr>
+          <a:xfrm>
+            <a:off x="178613" y="1246258"/>
+            <a:ext cx="5867400" cy="1047750"/>
+          </a:xfrm>
+          <a:prstGeom prst="rect">
+            <a:avLst/>
+          </a:prstGeom>
+        </p:spPr>
+      </p:pic>
+      <p:pic>
+        <p:nvPicPr>
+          <p:cNvPr id="7" name="Picture 6"/>
+          <p:cNvPicPr>
+            <a:picLocks noChangeAspect="1"/>
+          </p:cNvPicPr>
+          <p:nvPr/>
+        </p:nvPicPr>
+        <p:blipFill>
+          <a:blip r:embed="rId4">
+            <a:extLst>
+              <a:ext uri="{28A0092B-C50C-407E-A947-70E740481C1C}">
+                <a14:useLocalDpi xmlns:a14="http://schemas.microsoft.com/office/drawing/2010/main" val="0"/>
+              </a:ext>
+            </a:extLst>
+          </a:blip>
+          <a:stretch>
+            <a:fillRect/>
+          </a:stretch>
+        </p:blipFill>
+        <p:spPr>
+          <a:xfrm>
+            <a:off x="178613" y="2294008"/>
+            <a:ext cx="7981950" cy="771525"/>
+          </a:xfrm>
+          <a:prstGeom prst="rect">
+            <a:avLst/>
+          </a:prstGeom>
+        </p:spPr>
+      </p:pic>
+    </p:spTree>
+    <p:extLst>
+      <p:ext uri="{BB962C8B-B14F-4D97-AF65-F5344CB8AC3E}">
+        <p14:creationId xmlns:p14="http://schemas.microsoft.com/office/powerpoint/2010/main" val="1179797946"/>
+      </p:ext>
+    </p:extLst>
+  </p:cSld>
+  <p:clrMapOvr>
+    <a:masterClrMapping/>
+  </p:clrMapOvr>
+</p:sld>
+</file>
+
+<file path=ppt/slides/slide24.xml><?xml version="1.0" encoding="utf-8"?>
+<p:sld xmlns:a="http://schemas.openxmlformats.org/drawingml/2006/main" xmlns:r="http://schemas.openxmlformats.org/officeDocument/2006/relationships" xmlns:p="http://schemas.openxmlformats.org/presentationml/2006/main">
+  <p:cSld>
+    <p:spTree>
+      <p:nvGrpSpPr>
+        <p:cNvPr id="1" name=""/>
+        <p:cNvGrpSpPr/>
+        <p:nvPr/>
+      </p:nvGrpSpPr>
+      <p:grpSpPr>
+        <a:xfrm>
+          <a:off x="0" y="0"/>
+          <a:ext cx="0" cy="0"/>
+          <a:chOff x="0" y="0"/>
+          <a:chExt cx="0" cy="0"/>
+        </a:xfrm>
+      </p:grpSpPr>
+      <p:sp>
+        <p:nvSpPr>
+          <p:cNvPr id="2" name="Title 1"/>
+          <p:cNvSpPr>
+            <a:spLocks noGrp="1"/>
+          </p:cNvSpPr>
+          <p:nvPr>
+            <p:ph type="title"/>
+          </p:nvPr>
+        </p:nvSpPr>
         <p:spPr>
           <a:xfrm>
             <a:off x="353587" y="313088"/>
@@ -5230,7 +6003,7 @@
 </p:sld>
 </file>
 
-<file path=ppt/slides/slide22.xml><?xml version="1.0" encoding="utf-8"?>
+<file path=ppt/slides/slide25.xml><?xml version="1.0" encoding="utf-8"?>
 <p:sld xmlns:a="http://schemas.openxmlformats.org/drawingml/2006/main" xmlns:r="http://schemas.openxmlformats.org/officeDocument/2006/relationships" xmlns:p="http://schemas.openxmlformats.org/presentationml/2006/main">
   <p:cSld>
     <p:spTree>
